--- a/FASE 3.pptx
+++ b/FASE 3.pptx
@@ -10096,6 +10096,9 @@
               </a:rPr>
               <a:t>CREACIÓN DE TABLAS</a:t>
             </a:r>
+            <a:endParaRPr lang="es-ES" sz="4800" b="1" dirty="0">
+              <a:hlinkClick r:id="rId2" action="ppaction://hlinkfile"/>
+            </a:endParaRPr>
           </a:p>
         </p:txBody>
       </p:sp>
@@ -10163,6 +10166,9 @@
               </a:rPr>
               <a:t>WEB VERSIÓN CLIENTE</a:t>
             </a:r>
+            <a:endParaRPr lang="es-ES" sz="4800" b="1" dirty="0">
+              <a:hlinkClick r:id="rId3" action="ppaction://hlinkfile"/>
+            </a:endParaRPr>
           </a:p>
         </p:txBody>
       </p:sp>
@@ -10230,6 +10236,9 @@
               </a:rPr>
               <a:t>WEB VERSIÓN ADMIN</a:t>
             </a:r>
+            <a:endParaRPr lang="es-ES" sz="4800" b="1" dirty="0">
+              <a:hlinkClick r:id="rId3" action="ppaction://hlinkfile"/>
+            </a:endParaRPr>
           </a:p>
         </p:txBody>
       </p:sp>
